--- a/Desafio1.3..pptx
+++ b/Desafio1.3..pptx
@@ -271,7 +271,7 @@
           <a:p>
             <a:fld id="{37A2730A-859E-B540-ADF3-E97069AD1FDB}" type="datetimeFigureOut">
               <a:rPr lang="en-US" smtClean="0"/>
-              <a:t>1/30/2023</a:t>
+              <a:t>1/31/2023</a:t>
             </a:fld>
             <a:endParaRPr lang="en-US"/>
           </a:p>
@@ -469,7 +469,7 @@
           <a:p>
             <a:fld id="{37A2730A-859E-B540-ADF3-E97069AD1FDB}" type="datetimeFigureOut">
               <a:rPr lang="en-US" smtClean="0"/>
-              <a:t>1/30/2023</a:t>
+              <a:t>1/31/2023</a:t>
             </a:fld>
             <a:endParaRPr lang="en-US"/>
           </a:p>
@@ -677,7 +677,7 @@
           <a:p>
             <a:fld id="{37A2730A-859E-B540-ADF3-E97069AD1FDB}" type="datetimeFigureOut">
               <a:rPr lang="en-US" smtClean="0"/>
-              <a:t>1/30/2023</a:t>
+              <a:t>1/31/2023</a:t>
             </a:fld>
             <a:endParaRPr lang="en-US"/>
           </a:p>
@@ -875,7 +875,7 @@
           <a:p>
             <a:fld id="{37A2730A-859E-B540-ADF3-E97069AD1FDB}" type="datetimeFigureOut">
               <a:rPr lang="en-US" smtClean="0"/>
-              <a:t>1/30/2023</a:t>
+              <a:t>1/31/2023</a:t>
             </a:fld>
             <a:endParaRPr lang="en-US"/>
           </a:p>
@@ -1150,7 +1150,7 @@
           <a:p>
             <a:fld id="{37A2730A-859E-B540-ADF3-E97069AD1FDB}" type="datetimeFigureOut">
               <a:rPr lang="en-US" smtClean="0"/>
-              <a:t>1/30/2023</a:t>
+              <a:t>1/31/2023</a:t>
             </a:fld>
             <a:endParaRPr lang="en-US"/>
           </a:p>
@@ -1415,7 +1415,7 @@
           <a:p>
             <a:fld id="{37A2730A-859E-B540-ADF3-E97069AD1FDB}" type="datetimeFigureOut">
               <a:rPr lang="en-US" smtClean="0"/>
-              <a:t>1/30/2023</a:t>
+              <a:t>1/31/2023</a:t>
             </a:fld>
             <a:endParaRPr lang="en-US"/>
           </a:p>
@@ -1827,7 +1827,7 @@
           <a:p>
             <a:fld id="{37A2730A-859E-B540-ADF3-E97069AD1FDB}" type="datetimeFigureOut">
               <a:rPr lang="en-US" smtClean="0"/>
-              <a:t>1/30/2023</a:t>
+              <a:t>1/31/2023</a:t>
             </a:fld>
             <a:endParaRPr lang="en-US"/>
           </a:p>
@@ -1968,7 +1968,7 @@
           <a:p>
             <a:fld id="{37A2730A-859E-B540-ADF3-E97069AD1FDB}" type="datetimeFigureOut">
               <a:rPr lang="en-US" smtClean="0"/>
-              <a:t>1/30/2023</a:t>
+              <a:t>1/31/2023</a:t>
             </a:fld>
             <a:endParaRPr lang="en-US"/>
           </a:p>
@@ -2081,7 +2081,7 @@
           <a:p>
             <a:fld id="{37A2730A-859E-B540-ADF3-E97069AD1FDB}" type="datetimeFigureOut">
               <a:rPr lang="en-US" smtClean="0"/>
-              <a:t>1/30/2023</a:t>
+              <a:t>1/31/2023</a:t>
             </a:fld>
             <a:endParaRPr lang="en-US"/>
           </a:p>
@@ -2392,7 +2392,7 @@
           <a:p>
             <a:fld id="{37A2730A-859E-B540-ADF3-E97069AD1FDB}" type="datetimeFigureOut">
               <a:rPr lang="en-US" smtClean="0"/>
-              <a:t>1/30/2023</a:t>
+              <a:t>1/31/2023</a:t>
             </a:fld>
             <a:endParaRPr lang="en-US"/>
           </a:p>
@@ -2680,7 +2680,7 @@
           <a:p>
             <a:fld id="{37A2730A-859E-B540-ADF3-E97069AD1FDB}" type="datetimeFigureOut">
               <a:rPr lang="en-US" smtClean="0"/>
-              <a:t>1/30/2023</a:t>
+              <a:t>1/31/2023</a:t>
             </a:fld>
             <a:endParaRPr lang="en-US"/>
           </a:p>
@@ -2921,7 +2921,7 @@
           <a:p>
             <a:fld id="{37A2730A-859E-B540-ADF3-E97069AD1FDB}" type="datetimeFigureOut">
               <a:rPr lang="en-US" smtClean="0"/>
-              <a:t>1/30/2023</a:t>
+              <a:t>1/31/2023</a:t>
             </a:fld>
             <a:endParaRPr lang="en-US"/>
           </a:p>
@@ -4887,21 +4887,21 @@
   <we:alternateReferences/>
   <we:properties>
     <we:property name="Microsoft.Office.CampaignId" value="&quot;none&quot;"/>
+    <we:property name="backgroundColor" value="&quot;rgb(255,255,255)&quot;"/>
+    <we:property name="bookmark" value="&quot;H4sIAAAAAAAAA+1WTW/bMAz9K4EubQGjkOM4cXprsw4o1g5Fs/Uy5MDItKNWtgxZzpIV/u+j5KQfOazYIVv3cQhgkTT5+PjE+IGlsq4UrD9CgeyEXZSpFJBq0wtZwMrOeKb1fQHmno943A9jHiVhFmdpIobJgKJ0ZaUua3bywCyYHO2trBtQLiMZv8wCBkpdQ+5OGagaA1ahqXUJSn7DLphc1jTYBgxXldIGXMqpBYsu7ZLC6UxQwuOIKoKwcolTFLaz3mCljd2cYx4mHIeDOB1FkESDYTbg9E7deT3M1+NdUQ9soksLsiQAzpYhF6EIo2E8GiPGHEZh6Oy1LHO1aeXp3U/rytFncWXneuWYmt9RTZepbanVeDiOACDLRD8WaX805uPIV5HKbgrO1+eryhCLxG2XbUKc5NrQlBTzbBmsO3Ie2ESrpvBP5y/sU90YgTeYeVdppV1TpkyWUApJ5PcOoyPmEF0bTaPx3oluSmvW3rzQXycGqXDKTngbPGI5TZeUgay7QE7z3GAOdnM83xvK3hQU6cpZ3zflRg/8bWP+XEpb96Zapa/jnpHlh+IqoHoprO3toIJ3zyS/kc3aS2k/Opl5+DJfKPpZfy1Qbe8oVU3BwhXB9Qp/nvJ4m8NF1YJSX6Qd6UUFRtbbEWxPH2TpyAnYJWZ2n7q/2TZyKelCduzfgmoc8QcTKCGFAwpsWz+nAi24HqkNNm2Kw50mO6kesVlLG7G74k9orx7ffXgmy3qf0wqYALHA1Dd0YbHoqskUXSqJ9Z88joAtnWMjN+73pvN3MqVcgz70k5APhcCIJyFm2Vz8370/hZIeM2n/uh1GrkRwHmKfvgdGWTSIwkzEwzcjjinmBV3Rf0UclcTJAozdVYg2KZqzTgvvpNn+z/SDHfC/vWO3jH6tnJ8UMvPbsN358vwO8Oq9V/ULAAA=&quot;"/>
+    <we:property name="creatorSessionId" value="&quot;271e8e90-0801-4cca-98ce-2651292c404f&quot;"/>
     <we:property name="creatorTenantId" value="&quot;bb7fe885-d65a-4abb-ba79-e75e2b3bb3ab&quot;"/>
+    <we:property name="creatorUserId" value="&quot;10032000BD1B385B&quot;"/>
+    <we:property name="datasetId" value="&quot;e928e86f-e137-4d2e-9cf5-fc600154d04a&quot;"/>
+    <we:property name="embedUrl" value="&quot;/reportEmbed?reportId=ef638471-66df-4e43-a5dc-619dee29680a&amp;config=eyJjbHVzdGVyVXJsIjoiaHR0cHM6Ly9XQUJJLUJSQVpJTC1TT1VUSC1yZWRpcmVjdC5hbmFseXNpcy53aW5kb3dzLm5ldCIsImVtYmVkRmVhdHVyZXMiOnsibW9kZXJuRW1iZWQiOnRydWUsInVzYWdlTWV0cmljc1ZOZXh0Ijp0cnVlfX0%3D&amp;disableSensitivityBanner=true&quot;"/>
+    <we:property name="initialStateBookmark" value="&quot;H4sIAAAAAAAAA+2W32/TMBDH/5XKTyBVKGma/nrrSpHQ2FY1sBdUoatzzjy5duQ4pWXK/76z07GtDwweBhPQl9pfX+++d/kkzQ3LZVUq2J/DBtmEvde55JAb24lZl+lWPLm4OD2bLk+/nE/P5iSb0kmjKza5YQ5sge5SVjUon4LEz6suA6UWUPidAFVhl5VoK6NByW/YBtORszU2XYa7UhkLPmXmwKFPu6Vw2lPt+E1CFYE7ucUMuWvVJZbGusM+jeJRhIN+mg8TGCX9gehH9JuqPQ02n473RYOxmdEOpCYDXksH4wQAhOC9lOe94TgaJ14XUrlDyHo/35WW+qZp7Es/rxl1URhLg1Qs9Gexatu5YTOj6k1YzR/pmaktxyWKcKSddHvKJKQGzSWNq/Mqec0aGtfCGhpmOJ2ZWju7D/KV+TqzSIVzNoma7ncv03xLGUg9NjItCosFuMN2/mwuOxkoIsGr72p9uILRy/b8SUtXdTKj8qd9r0ippC7Ugex7lD627Wyg9DfN+prw88Q0dzxTwesHkB6w2QeUnoeTVeOP+j3ojeJowDkm0ShGIdb8P9S/5JKWQrq/EY4Rj6IYe/RoHIqkn8SCp4MXA0eGxQa1+1fgKCXOrsC6Y0KMzdGetCy8lfbub7HXPTL/xztuVr8b53tCWpwFRjzmcTJIh2PENIJhHPt0P5y7w51bm93jsYfPQ4VtkF5+/MLUriqB4wI0ho7K1pDEEEcYgs79NQ9r678/SLqb2tKXoOpQld6HWKhBZuRa4U/Gt602tyEjYgPLCQAA&quot;"/>
+    <we:property name="isFiltersActionButtonVisible" value="true"/>
+    <we:property name="pageDisplayName" value="&quot;Página 3&quot;"/>
+    <we:property name="pageName" value="&quot;ReportSection50180e645d73a8346f40&quot;"/>
+    <we:property name="reportEmbeddedTime" value="&quot;2023-01-30T20:49:02.191Z&quot;"/>
+    <we:property name="reportName" value="&quot;DashboardDesafio1&quot;"/>
+    <we:property name="reportState" value="&quot;CONNECTED&quot;"/>
     <we:property name="reportUrl" value="&quot;/groups/me/reports/ef638471-66df-4e43-a5dc-619dee29680a/ReportSection50180e645d73a8346f40?bookmarkGuid=7a0fdbec-0465-4e04-a94c-57cd0560be7f&amp;bookmarkUsage=1&amp;ctid=bb7fe885-d65a-4abb-ba79-e75e2b3bb3ab&amp;fromEntryPoint=export&quot;"/>
-    <we:property name="reportState" value="&quot;CONNECTED&quot;"/>
-    <we:property name="reportEmbeddedTime" value="&quot;2023-01-30T20:49:02.191Z&quot;"/>
-    <we:property name="creatorSessionId" value="&quot;271e8e90-0801-4cca-98ce-2651292c404f&quot;"/>
-    <we:property name="creatorUserId" value="&quot;10032000BD1B385B&quot;"/>
-    <we:property name="reportName" value="&quot;DashboardDesafio1&quot;"/>
-    <we:property name="isFiltersActionButtonVisible" value="true"/>
-    <we:property name="initialStateBookmark" value="&quot;H4sIAAAAAAAAA+2W32/TMBDH/5XKTyBVKGma/nrrSpHQ2FY1sBdUoatzzjy5duQ4pWXK/76z07GtDwweBhPQl9pfX+++d/kkzQ3LZVUq2J/DBtmEvde55JAb24lZl+lWPLm4OD2bLk+/nE/P5iSb0kmjKza5YQ5sge5SVjUon4LEz6suA6UWUPidAFVhl5VoK6NByW/YBtORszU2XYa7UhkLPmXmwKFPu6Vw2lPt+E1CFYE7ucUMuWvVJZbGusM+jeJRhIN+mg8TGCX9gehH9JuqPQ02n473RYOxmdEOpCYDXksH4wQAhOC9lOe94TgaJ14XUrlDyHo/35WW+qZp7Es/rxl1URhLg1Qs9Gexatu5YTOj6k1YzR/pmaktxyWKcKSddHvKJKQGzSWNq/Mqec0aGtfCGhpmOJ2ZWju7D/KV+TqzSIVzNoma7ncv03xLGUg9NjItCosFuMN2/mwuOxkoIsGr72p9uILRy/b8SUtXdTKj8qd9r0ippC7Ugex7lD627Wyg9DfN+prw88Q0dzxTwesHkB6w2QeUnoeTVeOP+j3ojeJowDkm0ShGIdb8P9S/5JKWQrq/EY4Rj6IYe/RoHIqkn8SCp4MXA0eGxQa1+1fgKCXOrsC6Y0KMzdGetCy8lfbub7HXPTL/xztuVr8b53tCWpwFRjzmcTJIh2PENIJhHPt0P5y7w51bm93jsYfPQ4VtkF5+/MLUriqB4wI0ho7K1pDEEEcYgs79NQ9r678/SLqb2tKXoOpQld6HWKhBZuRa4U/Gt602tyEjYgPLCQAA&quot;"/>
-    <we:property name="bookmark" value="&quot;H4sIAAAAAAAAA+2VTW/bMAyG/0qg0wYEg2zFzsetzTJgl6Fotl2KHBiZctUqkiHLWbwi/32U7a5rDit26FZs80l6SVMv6cf2HSt0XRloP8AO2YK9t4WWUDg/StiY2V48d+52B/42zbd5OlM5piCAZ0LkSUpZrgra2Zot7lgAX2L4rOsGTKxI4tVmzMCYCyjjToGpccwq9LWzYPRX7JMpFHyDxzHDQ2Wch1hyHSBgLLundNqTleSNoBNBBr3HNcrQq5dYOR+GfcaTGcd8khVTATMxydWE0z11H+1sPp0fD+2MLZ0NoC0ZiFqWzwUAKCXTTBbpdM7nIupKmzCkbNvVofLUN02jreL4ltRF6TzN1bCuP491384dWzrT7LrV6pG+do2XeImqC9mgQ0uVlLZgpaZxjV6J1+xI47rwjobZRZeuscG3nXztviw90sEFW/Dj+LuXs2JPFUg9NXJWlh5LCMN29WwuR2swREJU3zV2eIL8ZXv+ZHWoR2tniqd9b0iptS3NQPYDSh/7dnZQxZdme0P4RWKO9zzTgTc/QDpg03YoPQ8nm2MMTVJIZwnPpUTBZwkqtZX/of4ll7RUOvyNcMwk5wmm9GmcKjERiZJZ/mLgWGO5Qxv+FTgqjctr8OGUEOcL9Oc9C2+1v/8tpuMT83+84+Pmd+P8QEiPs0IuE5mIPJvOETMO0ySJ5X4694CHsHWHx2PvrhPlG4Z1Eh1OCQAA&quot;"/>
-    <we:property name="embedUrl" value="&quot;/reportEmbed?reportId=ef638471-66df-4e43-a5dc-619dee29680a&amp;config=eyJjbHVzdGVyVXJsIjoiaHR0cHM6Ly9XQUJJLUJSQVpJTC1TT1VUSC1yZWRpcmVjdC5hbmFseXNpcy53aW5kb3dzLm5ldCIsImVtYmVkRmVhdHVyZXMiOnsibW9kZXJuRW1iZWQiOnRydWUsInVzYWdlTWV0cmljc1ZOZXh0Ijp0cnVlfX0%3D&amp;disableSensitivityBanner=true&quot;"/>
-    <we:property name="datasetId" value="&quot;e928e86f-e137-4d2e-9cf5-fc600154d04a&quot;"/>
-    <we:property name="pageName" value="&quot;ReportSection50180e645d73a8346f40&quot;"/>
-    <we:property name="pageDisplayName" value="&quot;Página 3&quot;"/>
-    <we:property name="backgroundColor" value="&quot;rgb(255,255,255)&quot;"/>
   </we:properties>
   <we:bindings/>
   <we:snapshot xmlns:r="http://schemas.openxmlformats.org/officeDocument/2006/relationships" r:embed="rId1"/>
@@ -4909,24 +4909,6 @@
 </file>
 
 <file path=customXml/item1.xml><?xml version="1.0" encoding="utf-8"?>
-<p:properties xmlns:p="http://schemas.microsoft.com/office/2006/metadata/properties" xmlns:xsi="http://www.w3.org/2001/XMLSchema-instance" xmlns:pc="http://schemas.microsoft.com/office/infopath/2007/PartnerControls">
-  <documentManagement>
-    <Document_x0020_Purpose xmlns="f577acbf-5b0b-4b4f-9948-268e97f8d3a4">Informational</Document_x0020_Purpose>
-    <Initiatives xmlns="f577acbf-5b0b-4b4f-9948-268e97f8d3a4"/>
-  </documentManagement>
-</p:properties>
-</file>
-
-<file path=customXml/item2.xml><?xml version="1.0" encoding="utf-8"?>
-<?mso-contentType ?>
-<FormTemplates xmlns="http://schemas.microsoft.com/sharepoint/v3/contenttype/forms">
-  <Display>DocumentLibraryForm</Display>
-  <Edit>DocumentLibraryForm</Edit>
-  <New>DocumentLibraryForm</New>
-</FormTemplates>
-</file>
-
-<file path=customXml/item3.xml><?xml version="1.0" encoding="utf-8"?>
 <ct:contentTypeSchema xmlns:ct="http://schemas.microsoft.com/office/2006/metadata/contentType" xmlns:ma="http://schemas.microsoft.com/office/2006/metadata/properties/metaAttributes" ct:_="" ma:_="" ma:contentTypeName="Document" ma:contentTypeID="0x010100CD401524DC532D42A0E0ED886331A72B" ma:contentTypeVersion="15" ma:contentTypeDescription="Create a new document." ma:contentTypeScope="" ma:versionID="aba17d7263e5a17e1efe42a3571abb41">
   <xsd:schema xmlns:xsd="http://www.w3.org/2001/XMLSchema" xmlns:xs="http://www.w3.org/2001/XMLSchema" xmlns:p="http://schemas.microsoft.com/office/2006/metadata/properties" xmlns:ns2="f577acbf-5b0b-4b4f-9948-268e97f8d3a4" xmlns:ns3="b1e4d6ee-9f6f-43f8-a618-24f3d84da28f" targetNamespace="http://schemas.microsoft.com/office/2006/metadata/properties" ma:root="true" ma:fieldsID="e4e3c9c8ed1c3d723d02c9f1cb24d19a" ns2:_="" ns3:_="">
     <xsd:import namespace="f577acbf-5b0b-4b4f-9948-268e97f8d3a4"/>
@@ -5182,32 +5164,25 @@
 </ct:contentTypeSchema>
 </file>
 
-<file path=customXml/itemProps1.xml><?xml version="1.0" encoding="utf-8"?>
-<ds:datastoreItem xmlns:ds="http://schemas.openxmlformats.org/officeDocument/2006/customXml" ds:itemID="{617AB1FA-2F28-4684-9230-02ACEB6C0B0A}">
-  <ds:schemaRefs>
-    <ds:schemaRef ds:uri="http://purl.org/dc/elements/1.1/"/>
-    <ds:schemaRef ds:uri="http://schemas.microsoft.com/office/2006/metadata/properties"/>
-    <ds:schemaRef ds:uri="b1e4d6ee-9f6f-43f8-a618-24f3d84da28f"/>
-    <ds:schemaRef ds:uri="http://schemas.microsoft.com/office/2006/documentManagement/types"/>
-    <ds:schemaRef ds:uri="http://purl.org/dc/terms/"/>
-    <ds:schemaRef ds:uri="http://schemas.openxmlformats.org/package/2006/metadata/core-properties"/>
-    <ds:schemaRef ds:uri="f577acbf-5b0b-4b4f-9948-268e97f8d3a4"/>
-    <ds:schemaRef ds:uri="http://purl.org/dc/dcmitype/"/>
-    <ds:schemaRef ds:uri="http://schemas.microsoft.com/office/infopath/2007/PartnerControls"/>
-    <ds:schemaRef ds:uri="http://www.w3.org/XML/1998/namespace"/>
-  </ds:schemaRefs>
-</ds:datastoreItem>
+<file path=customXml/item2.xml><?xml version="1.0" encoding="utf-8"?>
+<?mso-contentType ?>
+<FormTemplates xmlns="http://schemas.microsoft.com/sharepoint/v3/contenttype/forms">
+  <Display>DocumentLibraryForm</Display>
+  <Edit>DocumentLibraryForm</Edit>
+  <New>DocumentLibraryForm</New>
+</FormTemplates>
 </file>
 
-<file path=customXml/itemProps2.xml><?xml version="1.0" encoding="utf-8"?>
-<ds:datastoreItem xmlns:ds="http://schemas.openxmlformats.org/officeDocument/2006/customXml" ds:itemID="{E21AFCC0-734A-4A90-A597-A1CB34860DCD}">
-  <ds:schemaRefs>
-    <ds:schemaRef ds:uri="http://schemas.microsoft.com/sharepoint/v3/contenttype/forms"/>
-  </ds:schemaRefs>
-</ds:datastoreItem>
+<file path=customXml/item3.xml><?xml version="1.0" encoding="utf-8"?>
+<p:properties xmlns:p="http://schemas.microsoft.com/office/2006/metadata/properties" xmlns:xsi="http://www.w3.org/2001/XMLSchema-instance" xmlns:pc="http://schemas.microsoft.com/office/infopath/2007/PartnerControls">
+  <documentManagement>
+    <Document_x0020_Purpose xmlns="f577acbf-5b0b-4b4f-9948-268e97f8d3a4">Informational</Document_x0020_Purpose>
+    <Initiatives xmlns="f577acbf-5b0b-4b4f-9948-268e97f8d3a4"/>
+  </documentManagement>
+</p:properties>
 </file>
 
-<file path=customXml/itemProps3.xml><?xml version="1.0" encoding="utf-8"?>
+<file path=customXml/itemProps1.xml><?xml version="1.0" encoding="utf-8"?>
 <ds:datastoreItem xmlns:ds="http://schemas.openxmlformats.org/officeDocument/2006/customXml" ds:itemID="{1DD29C39-1C4E-4B06-A1F4-2510F2DACF6E}">
   <ds:schemaRefs>
     <ds:schemaRef ds:uri="http://schemas.microsoft.com/office/2006/metadata/contentType"/>
@@ -5224,4 +5199,29 @@
     <ds:schemaRef ds:uri="http://schemas.microsoft.com/internal/obd"/>
   </ds:schemaRefs>
 </ds:datastoreItem>
+</file>
+
+<file path=customXml/itemProps2.xml><?xml version="1.0" encoding="utf-8"?>
+<ds:datastoreItem xmlns:ds="http://schemas.openxmlformats.org/officeDocument/2006/customXml" ds:itemID="{E21AFCC0-734A-4A90-A597-A1CB34860DCD}">
+  <ds:schemaRefs>
+    <ds:schemaRef ds:uri="http://schemas.microsoft.com/sharepoint/v3/contenttype/forms"/>
+  </ds:schemaRefs>
+</ds:datastoreItem>
+</file>
+
+<file path=customXml/itemProps3.xml><?xml version="1.0" encoding="utf-8"?>
+<ds:datastoreItem xmlns:ds="http://schemas.openxmlformats.org/officeDocument/2006/customXml" ds:itemID="{617AB1FA-2F28-4684-9230-02ACEB6C0B0A}">
+  <ds:schemaRefs>
+    <ds:schemaRef ds:uri="http://purl.org/dc/elements/1.1/"/>
+    <ds:schemaRef ds:uri="http://schemas.microsoft.com/office/2006/metadata/properties"/>
+    <ds:schemaRef ds:uri="b1e4d6ee-9f6f-43f8-a618-24f3d84da28f"/>
+    <ds:schemaRef ds:uri="http://schemas.microsoft.com/office/2006/documentManagement/types"/>
+    <ds:schemaRef ds:uri="http://purl.org/dc/terms/"/>
+    <ds:schemaRef ds:uri="http://schemas.openxmlformats.org/package/2006/metadata/core-properties"/>
+    <ds:schemaRef ds:uri="f577acbf-5b0b-4b4f-9948-268e97f8d3a4"/>
+    <ds:schemaRef ds:uri="http://purl.org/dc/dcmitype/"/>
+    <ds:schemaRef ds:uri="http://schemas.microsoft.com/office/infopath/2007/PartnerControls"/>
+    <ds:schemaRef ds:uri="http://www.w3.org/XML/1998/namespace"/>
+  </ds:schemaRefs>
+</ds:datastoreItem>
 </file>